--- a/design.pptx
+++ b/design.pptx
@@ -6,6 +6,7 @@
   </p:sldMasterIdLst>
   <p:sldIdLst>
     <p:sldId id="256" r:id="rId2"/>
+    <p:sldId id="257" r:id="rId3"/>
   </p:sldIdLst>
   <p:sldSz cx="12192000" cy="6858000"/>
   <p:notesSz cx="6858000" cy="9144000"/>
@@ -104,6 +105,11 @@
       </a:defRPr>
     </a:lvl9pPr>
   </p:defaultTextStyle>
+  <p:extLst>
+    <p:ext uri="{EFAFB233-063F-42B5-8137-9DF3F51BA10A}">
+      <p15:sldGuideLst xmlns:p15="http://schemas.microsoft.com/office/powerpoint/2012/main"/>
+    </p:ext>
+  </p:extLst>
 </p:presentation>
 </file>
 
@@ -3374,6 +3380,176 @@
 </p:sld>
 </file>
 
+<file path=ppt/slides/slide2.xml><?xml version="1.0" encoding="utf-8"?>
+<p:sld xmlns:a="http://schemas.openxmlformats.org/drawingml/2006/main" xmlns:r="http://schemas.openxmlformats.org/officeDocument/2006/relationships" xmlns:p="http://schemas.openxmlformats.org/presentationml/2006/main">
+  <p:cSld>
+    <p:spTree>
+      <p:nvGrpSpPr>
+        <p:cNvPr id="1" name=""/>
+        <p:cNvGrpSpPr/>
+        <p:nvPr/>
+      </p:nvGrpSpPr>
+      <p:grpSpPr>
+        <a:xfrm>
+          <a:off x="0" y="0"/>
+          <a:ext cx="0" cy="0"/>
+          <a:chOff x="0" y="0"/>
+          <a:chExt cx="0" cy="0"/>
+        </a:xfrm>
+      </p:grpSpPr>
+      <p:pic>
+        <p:nvPicPr>
+          <p:cNvPr id="5" name="Picture 4">
+            <a:extLst>
+              <a:ext uri="{FF2B5EF4-FFF2-40B4-BE49-F238E27FC236}">
+                <a16:creationId xmlns:a16="http://schemas.microsoft.com/office/drawing/2014/main" id="{4F60B3D5-94B4-474A-6157-CA498E09F222}"/>
+              </a:ext>
+            </a:extLst>
+          </p:cNvPr>
+          <p:cNvPicPr>
+            <a:picLocks noChangeAspect="1"/>
+          </p:cNvPicPr>
+          <p:nvPr/>
+        </p:nvPicPr>
+        <p:blipFill>
+          <a:blip r:embed="rId2"/>
+          <a:stretch>
+            <a:fillRect/>
+          </a:stretch>
+        </p:blipFill>
+        <p:spPr>
+          <a:xfrm>
+            <a:off x="4518817" y="0"/>
+            <a:ext cx="3154366" cy="6858000"/>
+          </a:xfrm>
+          <a:prstGeom prst="rect">
+            <a:avLst/>
+          </a:prstGeom>
+        </p:spPr>
+      </p:pic>
+      <p:pic>
+        <p:nvPicPr>
+          <p:cNvPr id="7" name="Picture 6">
+            <a:extLst>
+              <a:ext uri="{FF2B5EF4-FFF2-40B4-BE49-F238E27FC236}">
+                <a16:creationId xmlns:a16="http://schemas.microsoft.com/office/drawing/2014/main" id="{A7DB5819-5F57-CD19-4E82-AF1114952DC0}"/>
+              </a:ext>
+            </a:extLst>
+          </p:cNvPr>
+          <p:cNvPicPr>
+            <a:picLocks noChangeAspect="1"/>
+          </p:cNvPicPr>
+          <p:nvPr/>
+        </p:nvPicPr>
+        <p:blipFill>
+          <a:blip r:embed="rId3">
+            <a:alphaModFix/>
+          </a:blip>
+          <a:stretch>
+            <a:fillRect/>
+          </a:stretch>
+        </p:blipFill>
+        <p:spPr>
+          <a:xfrm>
+            <a:off x="4637591" y="6030690"/>
+            <a:ext cx="686884" cy="432813"/>
+          </a:xfrm>
+          <a:prstGeom prst="roundRect">
+            <a:avLst>
+              <a:gd name="adj" fmla="val 48211"/>
+            </a:avLst>
+          </a:prstGeom>
+        </p:spPr>
+      </p:pic>
+      <p:pic>
+        <p:nvPicPr>
+          <p:cNvPr id="3" name="Picture 2">
+            <a:extLst>
+              <a:ext uri="{FF2B5EF4-FFF2-40B4-BE49-F238E27FC236}">
+                <a16:creationId xmlns:a16="http://schemas.microsoft.com/office/drawing/2014/main" id="{4D3EF238-8614-A83B-4F0B-588C3B15CC15}"/>
+              </a:ext>
+            </a:extLst>
+          </p:cNvPr>
+          <p:cNvPicPr>
+            <a:picLocks noChangeAspect="1"/>
+          </p:cNvPicPr>
+          <p:nvPr/>
+        </p:nvPicPr>
+        <p:blipFill rotWithShape="1">
+          <a:blip r:embed="rId4"/>
+          <a:srcRect t="65641" r="39970" b="5752"/>
+          <a:stretch/>
+        </p:blipFill>
+        <p:spPr>
+          <a:xfrm>
+            <a:off x="1909345" y="2853471"/>
+            <a:ext cx="1982034" cy="1961841"/>
+          </a:xfrm>
+          <a:prstGeom prst="rect">
+            <a:avLst/>
+          </a:prstGeom>
+        </p:spPr>
+      </p:pic>
+      <p:sp>
+        <p:nvSpPr>
+          <p:cNvPr id="4" name="Rounded Rectangle 3">
+            <a:extLst>
+              <a:ext uri="{FF2B5EF4-FFF2-40B4-BE49-F238E27FC236}">
+                <a16:creationId xmlns:a16="http://schemas.microsoft.com/office/drawing/2014/main" id="{41B7CF63-F636-EBC7-358F-BE87FF1DB328}"/>
+              </a:ext>
+            </a:extLst>
+          </p:cNvPr>
+          <p:cNvSpPr/>
+          <p:nvPr/>
+        </p:nvSpPr>
+        <p:spPr>
+          <a:xfrm>
+            <a:off x="2114550" y="2895600"/>
+            <a:ext cx="1571625" cy="1771650"/>
+          </a:xfrm>
+          <a:prstGeom prst="roundRect">
+            <a:avLst/>
+          </a:prstGeom>
+          <a:noFill/>
+        </p:spPr>
+        <p:style>
+          <a:lnRef idx="2">
+            <a:schemeClr val="accent1">
+              <a:shade val="15000"/>
+            </a:schemeClr>
+          </a:lnRef>
+          <a:fillRef idx="1">
+            <a:schemeClr val="accent1"/>
+          </a:fillRef>
+          <a:effectRef idx="0">
+            <a:schemeClr val="accent1"/>
+          </a:effectRef>
+          <a:fontRef idx="minor">
+            <a:schemeClr val="lt1"/>
+          </a:fontRef>
+        </p:style>
+        <p:txBody>
+          <a:bodyPr rtlCol="0" anchor="ctr"/>
+          <a:lstStyle/>
+          <a:p>
+            <a:pPr algn="ctr"/>
+            <a:endParaRPr lang="en-US"/>
+          </a:p>
+        </p:txBody>
+      </p:sp>
+    </p:spTree>
+    <p:extLst>
+      <p:ext uri="{BB962C8B-B14F-4D97-AF65-F5344CB8AC3E}">
+        <p14:creationId xmlns:p14="http://schemas.microsoft.com/office/powerpoint/2010/main" val="920664423"/>
+      </p:ext>
+    </p:extLst>
+  </p:cSld>
+  <p:clrMapOvr>
+    <a:masterClrMapping/>
+  </p:clrMapOvr>
+</p:sld>
+</file>
+
 <file path=ppt/theme/theme1.xml><?xml version="1.0" encoding="utf-8"?>
 <a:theme xmlns:a="http://schemas.openxmlformats.org/drawingml/2006/main" name="Office Theme">
   <a:themeElements>

--- a/design.pptx
+++ b/design.pptx
@@ -6,7 +6,8 @@
   </p:sldMasterIdLst>
   <p:sldIdLst>
     <p:sldId id="256" r:id="rId2"/>
-    <p:sldId id="257" r:id="rId3"/>
+    <p:sldId id="258" r:id="rId3"/>
+    <p:sldId id="257" r:id="rId4"/>
   </p:sldIdLst>
   <p:sldSz cx="12192000" cy="6858000"/>
   <p:notesSz cx="6858000" cy="9144000"/>
@@ -259,7 +260,7 @@
           <a:lstStyle/>
           <a:p>
             <a:fld id="{D1DAA325-DE4D-914A-9FAA-B3B24EE0409A}" type="datetimeFigureOut">
-              <a:t>10/29/24</a:t>
+              <a:t>11/1/24</a:t>
             </a:fld>
             <a:endParaRPr lang="en-US"/>
           </a:p>
@@ -455,7 +456,7 @@
           <a:lstStyle/>
           <a:p>
             <a:fld id="{D1DAA325-DE4D-914A-9FAA-B3B24EE0409A}" type="datetimeFigureOut">
-              <a:t>10/29/24</a:t>
+              <a:t>11/1/24</a:t>
             </a:fld>
             <a:endParaRPr lang="en-US"/>
           </a:p>
@@ -661,7 +662,7 @@
           <a:lstStyle/>
           <a:p>
             <a:fld id="{D1DAA325-DE4D-914A-9FAA-B3B24EE0409A}" type="datetimeFigureOut">
-              <a:t>10/29/24</a:t>
+              <a:t>11/1/24</a:t>
             </a:fld>
             <a:endParaRPr lang="en-US"/>
           </a:p>
@@ -857,7 +858,7 @@
           <a:lstStyle/>
           <a:p>
             <a:fld id="{D1DAA325-DE4D-914A-9FAA-B3B24EE0409A}" type="datetimeFigureOut">
-              <a:t>10/29/24</a:t>
+              <a:t>11/1/24</a:t>
             </a:fld>
             <a:endParaRPr lang="en-US"/>
           </a:p>
@@ -1130,7 +1131,7 @@
           <a:lstStyle/>
           <a:p>
             <a:fld id="{D1DAA325-DE4D-914A-9FAA-B3B24EE0409A}" type="datetimeFigureOut">
-              <a:t>10/29/24</a:t>
+              <a:t>11/1/24</a:t>
             </a:fld>
             <a:endParaRPr lang="en-US"/>
           </a:p>
@@ -1393,7 +1394,7 @@
           <a:lstStyle/>
           <a:p>
             <a:fld id="{D1DAA325-DE4D-914A-9FAA-B3B24EE0409A}" type="datetimeFigureOut">
-              <a:t>10/29/24</a:t>
+              <a:t>11/1/24</a:t>
             </a:fld>
             <a:endParaRPr lang="en-US"/>
           </a:p>
@@ -1803,7 +1804,7 @@
           <a:lstStyle/>
           <a:p>
             <a:fld id="{D1DAA325-DE4D-914A-9FAA-B3B24EE0409A}" type="datetimeFigureOut">
-              <a:t>10/29/24</a:t>
+              <a:t>11/1/24</a:t>
             </a:fld>
             <a:endParaRPr lang="en-US"/>
           </a:p>
@@ -1942,7 +1943,7 @@
           <a:lstStyle/>
           <a:p>
             <a:fld id="{D1DAA325-DE4D-914A-9FAA-B3B24EE0409A}" type="datetimeFigureOut">
-              <a:t>10/29/24</a:t>
+              <a:t>11/1/24</a:t>
             </a:fld>
             <a:endParaRPr lang="en-US"/>
           </a:p>
@@ -2053,7 +2054,7 @@
           <a:lstStyle/>
           <a:p>
             <a:fld id="{D1DAA325-DE4D-914A-9FAA-B3B24EE0409A}" type="datetimeFigureOut">
-              <a:t>10/29/24</a:t>
+              <a:t>11/1/24</a:t>
             </a:fld>
             <a:endParaRPr lang="en-US"/>
           </a:p>
@@ -2362,7 +2363,7 @@
           <a:lstStyle/>
           <a:p>
             <a:fld id="{D1DAA325-DE4D-914A-9FAA-B3B24EE0409A}" type="datetimeFigureOut">
-              <a:t>10/29/24</a:t>
+              <a:t>11/1/24</a:t>
             </a:fld>
             <a:endParaRPr lang="en-US"/>
           </a:p>
@@ -2648,7 +2649,7 @@
           <a:lstStyle/>
           <a:p>
             <a:fld id="{D1DAA325-DE4D-914A-9FAA-B3B24EE0409A}" type="datetimeFigureOut">
-              <a:t>10/29/24</a:t>
+              <a:t>11/1/24</a:t>
             </a:fld>
             <a:endParaRPr lang="en-US"/>
           </a:p>
@@ -2887,7 +2888,7 @@
           </a:lstStyle>
           <a:p>
             <a:fld id="{D1DAA325-DE4D-914A-9FAA-B3B24EE0409A}" type="datetimeFigureOut">
-              <a:t>10/29/24</a:t>
+              <a:t>11/1/24</a:t>
             </a:fld>
             <a:endParaRPr lang="en-US"/>
           </a:p>
@@ -3461,6 +3462,277 @@
           </a:prstGeom>
         </p:spPr>
       </p:pic>
+      <p:sp>
+        <p:nvSpPr>
+          <p:cNvPr id="2" name="Rectangle 1">
+            <a:extLst>
+              <a:ext uri="{FF2B5EF4-FFF2-40B4-BE49-F238E27FC236}">
+                <a16:creationId xmlns:a16="http://schemas.microsoft.com/office/drawing/2014/main" id="{4EC63A89-558D-831A-918A-82130A1051C8}"/>
+              </a:ext>
+            </a:extLst>
+          </p:cNvPr>
+          <p:cNvSpPr/>
+          <p:nvPr/>
+        </p:nvSpPr>
+        <p:spPr>
+          <a:xfrm>
+            <a:off x="5387788" y="6030690"/>
+            <a:ext cx="1452283" cy="432813"/>
+          </a:xfrm>
+          <a:prstGeom prst="rect">
+            <a:avLst/>
+          </a:prstGeom>
+          <a:solidFill>
+            <a:schemeClr val="tx1"/>
+          </a:solidFill>
+          <a:ln>
+            <a:noFill/>
+          </a:ln>
+        </p:spPr>
+        <p:style>
+          <a:lnRef idx="2">
+            <a:schemeClr val="accent1">
+              <a:shade val="15000"/>
+            </a:schemeClr>
+          </a:lnRef>
+          <a:fillRef idx="1">
+            <a:schemeClr val="accent1"/>
+          </a:fillRef>
+          <a:effectRef idx="0">
+            <a:schemeClr val="accent1"/>
+          </a:effectRef>
+          <a:fontRef idx="minor">
+            <a:schemeClr val="lt1"/>
+          </a:fontRef>
+        </p:style>
+        <p:txBody>
+          <a:bodyPr rtlCol="0" anchor="ctr"/>
+          <a:lstStyle/>
+          <a:p>
+            <a:pPr algn="ctr"/>
+            <a:endParaRPr lang="en-US"/>
+          </a:p>
+        </p:txBody>
+      </p:sp>
+      <p:sp>
+        <p:nvSpPr>
+          <p:cNvPr id="3" name="TextBox 2">
+            <a:extLst>
+              <a:ext uri="{FF2B5EF4-FFF2-40B4-BE49-F238E27FC236}">
+                <a16:creationId xmlns:a16="http://schemas.microsoft.com/office/drawing/2014/main" id="{23E35F64-FEDE-60D8-FE6C-7A2A970AF6CD}"/>
+              </a:ext>
+            </a:extLst>
+          </p:cNvPr>
+          <p:cNvSpPr txBox="1"/>
+          <p:nvPr/>
+        </p:nvSpPr>
+        <p:spPr>
+          <a:xfrm>
+            <a:off x="5425319" y="5994830"/>
+            <a:ext cx="1083057" cy="523220"/>
+          </a:xfrm>
+          <a:prstGeom prst="rect">
+            <a:avLst/>
+          </a:prstGeom>
+          <a:noFill/>
+        </p:spPr>
+        <p:txBody>
+          <a:bodyPr wrap="square" rtlCol="0">
+            <a:spAutoFit/>
+          </a:bodyPr>
+          <a:lstStyle/>
+          <a:p>
+            <a:r>
+              <a:rPr lang="en-US" sz="1400">
+                <a:solidFill>
+                  <a:schemeClr val="bg1"/>
+                </a:solidFill>
+              </a:rPr>
+              <a:t>Danish</a:t>
+            </a:r>
+            <a:br>
+              <a:rPr lang="en-US" sz="1400">
+                <a:solidFill>
+                  <a:schemeClr val="bg1"/>
+                </a:solidFill>
+              </a:rPr>
+            </a:br>
+            <a:r>
+              <a:rPr lang="en-US" sz="1400">
+                <a:solidFill>
+                  <a:schemeClr val="bg1"/>
+                </a:solidFill>
+              </a:rPr>
+              <a:t>Dansk</a:t>
+            </a:r>
+          </a:p>
+        </p:txBody>
+      </p:sp>
+      <p:pic>
+        <p:nvPicPr>
+          <p:cNvPr id="6" name="Picture 5">
+            <a:extLst>
+              <a:ext uri="{FF2B5EF4-FFF2-40B4-BE49-F238E27FC236}">
+                <a16:creationId xmlns:a16="http://schemas.microsoft.com/office/drawing/2014/main" id="{D3A018E4-7086-5440-952D-FB5392BBE828}"/>
+              </a:ext>
+            </a:extLst>
+          </p:cNvPr>
+          <p:cNvPicPr>
+            <a:picLocks noChangeAspect="1"/>
+          </p:cNvPicPr>
+          <p:nvPr/>
+        </p:nvPicPr>
+        <p:blipFill>
+          <a:blip r:embed="rId4"/>
+          <a:stretch>
+            <a:fillRect/>
+          </a:stretch>
+        </p:blipFill>
+        <p:spPr>
+          <a:xfrm>
+            <a:off x="7068369" y="6077513"/>
+            <a:ext cx="318550" cy="345096"/>
+          </a:xfrm>
+          <a:prstGeom prst="rect">
+            <a:avLst/>
+          </a:prstGeom>
+        </p:spPr>
+      </p:pic>
+      <p:sp>
+        <p:nvSpPr>
+          <p:cNvPr id="8" name="TextBox 7">
+            <a:extLst>
+              <a:ext uri="{FF2B5EF4-FFF2-40B4-BE49-F238E27FC236}">
+                <a16:creationId xmlns:a16="http://schemas.microsoft.com/office/drawing/2014/main" id="{B892E1A6-52BB-1072-7481-A4F3A65BFADF}"/>
+              </a:ext>
+            </a:extLst>
+          </p:cNvPr>
+          <p:cNvSpPr txBox="1"/>
+          <p:nvPr/>
+        </p:nvSpPr>
+        <p:spPr>
+          <a:xfrm>
+            <a:off x="6978720" y="6063991"/>
+            <a:ext cx="461984" cy="369332"/>
+          </a:xfrm>
+          <a:prstGeom prst="rect">
+            <a:avLst/>
+          </a:prstGeom>
+          <a:noFill/>
+        </p:spPr>
+        <p:txBody>
+          <a:bodyPr wrap="square" rtlCol="0">
+            <a:spAutoFit/>
+          </a:bodyPr>
+          <a:lstStyle/>
+          <a:p>
+            <a:r>
+              <a:rPr lang="en-US">
+                <a:solidFill>
+                  <a:schemeClr val="bg1"/>
+                </a:solidFill>
+                <a:effectLst/>
+                <a:latin typeface="SF Pro Semibold" pitchFamily="2" charset="0"/>
+              </a:rPr>
+              <a:t>􀍟</a:t>
+            </a:r>
+          </a:p>
+        </p:txBody>
+      </p:sp>
+    </p:spTree>
+    <p:extLst>
+      <p:ext uri="{BB962C8B-B14F-4D97-AF65-F5344CB8AC3E}">
+        <p14:creationId xmlns:p14="http://schemas.microsoft.com/office/powerpoint/2010/main" val="2077700109"/>
+      </p:ext>
+    </p:extLst>
+  </p:cSld>
+  <p:clrMapOvr>
+    <a:masterClrMapping/>
+  </p:clrMapOvr>
+</p:sld>
+</file>
+
+<file path=ppt/slides/slide3.xml><?xml version="1.0" encoding="utf-8"?>
+<p:sld xmlns:a="http://schemas.openxmlformats.org/drawingml/2006/main" xmlns:r="http://schemas.openxmlformats.org/officeDocument/2006/relationships" xmlns:p="http://schemas.openxmlformats.org/presentationml/2006/main">
+  <p:cSld>
+    <p:spTree>
+      <p:nvGrpSpPr>
+        <p:cNvPr id="1" name=""/>
+        <p:cNvGrpSpPr/>
+        <p:nvPr/>
+      </p:nvGrpSpPr>
+      <p:grpSpPr>
+        <a:xfrm>
+          <a:off x="0" y="0"/>
+          <a:ext cx="0" cy="0"/>
+          <a:chOff x="0" y="0"/>
+          <a:chExt cx="0" cy="0"/>
+        </a:xfrm>
+      </p:grpSpPr>
+      <p:pic>
+        <p:nvPicPr>
+          <p:cNvPr id="5" name="Picture 4">
+            <a:extLst>
+              <a:ext uri="{FF2B5EF4-FFF2-40B4-BE49-F238E27FC236}">
+                <a16:creationId xmlns:a16="http://schemas.microsoft.com/office/drawing/2014/main" id="{4F60B3D5-94B4-474A-6157-CA498E09F222}"/>
+              </a:ext>
+            </a:extLst>
+          </p:cNvPr>
+          <p:cNvPicPr>
+            <a:picLocks noChangeAspect="1"/>
+          </p:cNvPicPr>
+          <p:nvPr/>
+        </p:nvPicPr>
+        <p:blipFill>
+          <a:blip r:embed="rId2"/>
+          <a:stretch>
+            <a:fillRect/>
+          </a:stretch>
+        </p:blipFill>
+        <p:spPr>
+          <a:xfrm>
+            <a:off x="4518817" y="0"/>
+            <a:ext cx="3154366" cy="6858000"/>
+          </a:xfrm>
+          <a:prstGeom prst="rect">
+            <a:avLst/>
+          </a:prstGeom>
+        </p:spPr>
+      </p:pic>
+      <p:pic>
+        <p:nvPicPr>
+          <p:cNvPr id="7" name="Picture 6">
+            <a:extLst>
+              <a:ext uri="{FF2B5EF4-FFF2-40B4-BE49-F238E27FC236}">
+                <a16:creationId xmlns:a16="http://schemas.microsoft.com/office/drawing/2014/main" id="{A7DB5819-5F57-CD19-4E82-AF1114952DC0}"/>
+              </a:ext>
+            </a:extLst>
+          </p:cNvPr>
+          <p:cNvPicPr>
+            <a:picLocks noChangeAspect="1"/>
+          </p:cNvPicPr>
+          <p:nvPr/>
+        </p:nvPicPr>
+        <p:blipFill>
+          <a:blip r:embed="rId3">
+            <a:alphaModFix/>
+          </a:blip>
+          <a:stretch>
+            <a:fillRect/>
+          </a:stretch>
+        </p:blipFill>
+        <p:spPr>
+          <a:xfrm>
+            <a:off x="4637591" y="6030690"/>
+            <a:ext cx="686884" cy="432813"/>
+          </a:xfrm>
+          <a:prstGeom prst="roundRect">
+            <a:avLst>
+              <a:gd name="adj" fmla="val 48211"/>
+            </a:avLst>
+          </a:prstGeom>
+        </p:spPr>
+      </p:pic>
       <p:pic>
         <p:nvPicPr>
           <p:cNvPr id="3" name="Picture 2">

--- a/design.pptx
+++ b/design.pptx
@@ -3639,6 +3639,244 @@
           </a:p>
         </p:txBody>
       </p:sp>
+      <p:pic>
+        <p:nvPicPr>
+          <p:cNvPr id="9" name="Picture 8">
+            <a:extLst>
+              <a:ext uri="{FF2B5EF4-FFF2-40B4-BE49-F238E27FC236}">
+                <a16:creationId xmlns:a16="http://schemas.microsoft.com/office/drawing/2014/main" id="{B830F90D-EDF8-F5AF-3D33-E8F190080AD0}"/>
+              </a:ext>
+            </a:extLst>
+          </p:cNvPr>
+          <p:cNvPicPr>
+            <a:picLocks noChangeAspect="1"/>
+          </p:cNvPicPr>
+          <p:nvPr/>
+        </p:nvPicPr>
+        <p:blipFill>
+          <a:blip r:embed="rId3">
+            <a:alphaModFix/>
+          </a:blip>
+          <a:stretch>
+            <a:fillRect/>
+          </a:stretch>
+        </p:blipFill>
+        <p:spPr>
+          <a:xfrm>
+            <a:off x="4637591" y="4533584"/>
+            <a:ext cx="686884" cy="432813"/>
+          </a:xfrm>
+          <a:prstGeom prst="roundRect">
+            <a:avLst>
+              <a:gd name="adj" fmla="val 48211"/>
+            </a:avLst>
+          </a:prstGeom>
+        </p:spPr>
+      </p:pic>
+      <p:pic>
+        <p:nvPicPr>
+          <p:cNvPr id="10" name="Picture 9">
+            <a:extLst>
+              <a:ext uri="{FF2B5EF4-FFF2-40B4-BE49-F238E27FC236}">
+                <a16:creationId xmlns:a16="http://schemas.microsoft.com/office/drawing/2014/main" id="{B43C2E36-3902-19E4-96F9-17E55F1B7DA2}"/>
+              </a:ext>
+            </a:extLst>
+          </p:cNvPr>
+          <p:cNvPicPr>
+            <a:picLocks noChangeAspect="1"/>
+          </p:cNvPicPr>
+          <p:nvPr/>
+        </p:nvPicPr>
+        <p:blipFill>
+          <a:blip r:embed="rId3">
+            <a:alphaModFix/>
+          </a:blip>
+          <a:stretch>
+            <a:fillRect/>
+          </a:stretch>
+        </p:blipFill>
+        <p:spPr>
+          <a:xfrm>
+            <a:off x="4639866" y="5534958"/>
+            <a:ext cx="686884" cy="432813"/>
+          </a:xfrm>
+          <a:prstGeom prst="roundRect">
+            <a:avLst>
+              <a:gd name="adj" fmla="val 48211"/>
+            </a:avLst>
+          </a:prstGeom>
+        </p:spPr>
+      </p:pic>
+      <p:pic>
+        <p:nvPicPr>
+          <p:cNvPr id="11" name="Picture 10">
+            <a:extLst>
+              <a:ext uri="{FF2B5EF4-FFF2-40B4-BE49-F238E27FC236}">
+                <a16:creationId xmlns:a16="http://schemas.microsoft.com/office/drawing/2014/main" id="{3110ED20-16E7-AAEE-1C19-DE2527F23472}"/>
+              </a:ext>
+            </a:extLst>
+          </p:cNvPr>
+          <p:cNvPicPr>
+            <a:picLocks noChangeAspect="1"/>
+          </p:cNvPicPr>
+          <p:nvPr/>
+        </p:nvPicPr>
+        <p:blipFill>
+          <a:blip r:embed="rId3">
+            <a:alphaModFix/>
+          </a:blip>
+          <a:stretch>
+            <a:fillRect/>
+          </a:stretch>
+        </p:blipFill>
+        <p:spPr>
+          <a:xfrm>
+            <a:off x="5370462" y="5534958"/>
+            <a:ext cx="686884" cy="432813"/>
+          </a:xfrm>
+          <a:prstGeom prst="roundRect">
+            <a:avLst>
+              <a:gd name="adj" fmla="val 48211"/>
+            </a:avLst>
+          </a:prstGeom>
+        </p:spPr>
+      </p:pic>
+      <p:pic>
+        <p:nvPicPr>
+          <p:cNvPr id="12" name="Picture 11">
+            <a:extLst>
+              <a:ext uri="{FF2B5EF4-FFF2-40B4-BE49-F238E27FC236}">
+                <a16:creationId xmlns:a16="http://schemas.microsoft.com/office/drawing/2014/main" id="{97425E80-8426-0D3D-AE41-F589F4E5AA3C}"/>
+              </a:ext>
+            </a:extLst>
+          </p:cNvPr>
+          <p:cNvPicPr>
+            <a:picLocks noChangeAspect="1"/>
+          </p:cNvPicPr>
+          <p:nvPr/>
+        </p:nvPicPr>
+        <p:blipFill>
+          <a:blip r:embed="rId3">
+            <a:alphaModFix/>
+          </a:blip>
+          <a:stretch>
+            <a:fillRect/>
+          </a:stretch>
+        </p:blipFill>
+        <p:spPr>
+          <a:xfrm>
+            <a:off x="6113929" y="5530557"/>
+            <a:ext cx="686884" cy="432813"/>
+          </a:xfrm>
+          <a:prstGeom prst="roundRect">
+            <a:avLst>
+              <a:gd name="adj" fmla="val 48211"/>
+            </a:avLst>
+          </a:prstGeom>
+        </p:spPr>
+      </p:pic>
+      <p:pic>
+        <p:nvPicPr>
+          <p:cNvPr id="13" name="Picture 12">
+            <a:extLst>
+              <a:ext uri="{FF2B5EF4-FFF2-40B4-BE49-F238E27FC236}">
+                <a16:creationId xmlns:a16="http://schemas.microsoft.com/office/drawing/2014/main" id="{7CE6AE1A-7E69-46CE-0D7D-5A4BDA227FFE}"/>
+              </a:ext>
+            </a:extLst>
+          </p:cNvPr>
+          <p:cNvPicPr>
+            <a:picLocks noChangeAspect="1"/>
+          </p:cNvPicPr>
+          <p:nvPr/>
+        </p:nvPicPr>
+        <p:blipFill>
+          <a:blip r:embed="rId3">
+            <a:alphaModFix/>
+          </a:blip>
+          <a:stretch>
+            <a:fillRect/>
+          </a:stretch>
+        </p:blipFill>
+        <p:spPr>
+          <a:xfrm>
+            <a:off x="6857396" y="5530556"/>
+            <a:ext cx="686884" cy="432813"/>
+          </a:xfrm>
+          <a:prstGeom prst="roundRect">
+            <a:avLst>
+              <a:gd name="adj" fmla="val 48211"/>
+            </a:avLst>
+          </a:prstGeom>
+        </p:spPr>
+      </p:pic>
+      <p:pic>
+        <p:nvPicPr>
+          <p:cNvPr id="14" name="Picture 13">
+            <a:extLst>
+              <a:ext uri="{FF2B5EF4-FFF2-40B4-BE49-F238E27FC236}">
+                <a16:creationId xmlns:a16="http://schemas.microsoft.com/office/drawing/2014/main" id="{7CA746CE-79E8-D39C-A2D5-3ABA039BBCC9}"/>
+              </a:ext>
+            </a:extLst>
+          </p:cNvPr>
+          <p:cNvPicPr>
+            <a:picLocks noChangeAspect="1"/>
+          </p:cNvPicPr>
+          <p:nvPr/>
+        </p:nvPicPr>
+        <p:blipFill>
+          <a:blip r:embed="rId3">
+            <a:alphaModFix/>
+          </a:blip>
+          <a:stretch>
+            <a:fillRect/>
+          </a:stretch>
+        </p:blipFill>
+        <p:spPr>
+          <a:xfrm>
+            <a:off x="4646166" y="5029316"/>
+            <a:ext cx="686884" cy="432813"/>
+          </a:xfrm>
+          <a:prstGeom prst="roundRect">
+            <a:avLst>
+              <a:gd name="adj" fmla="val 48211"/>
+            </a:avLst>
+          </a:prstGeom>
+        </p:spPr>
+      </p:pic>
+      <p:pic>
+        <p:nvPicPr>
+          <p:cNvPr id="15" name="Picture 14">
+            <a:extLst>
+              <a:ext uri="{FF2B5EF4-FFF2-40B4-BE49-F238E27FC236}">
+                <a16:creationId xmlns:a16="http://schemas.microsoft.com/office/drawing/2014/main" id="{94F68A63-204C-8B7F-7881-48A39D69E5E3}"/>
+              </a:ext>
+            </a:extLst>
+          </p:cNvPr>
+          <p:cNvPicPr>
+            <a:picLocks noChangeAspect="1"/>
+          </p:cNvPicPr>
+          <p:nvPr/>
+        </p:nvPicPr>
+        <p:blipFill>
+          <a:blip r:embed="rId3">
+            <a:alphaModFix/>
+          </a:blip>
+          <a:stretch>
+            <a:fillRect/>
+          </a:stretch>
+        </p:blipFill>
+        <p:spPr>
+          <a:xfrm>
+            <a:off x="5359554" y="5039226"/>
+            <a:ext cx="686884" cy="432813"/>
+          </a:xfrm>
+          <a:prstGeom prst="roundRect">
+            <a:avLst>
+              <a:gd name="adj" fmla="val 48211"/>
+            </a:avLst>
+          </a:prstGeom>
+        </p:spPr>
+      </p:pic>
     </p:spTree>
     <p:extLst>
       <p:ext uri="{BB962C8B-B14F-4D97-AF65-F5344CB8AC3E}">

--- a/design.pptx
+++ b/design.pptx
@@ -8,6 +8,7 @@
     <p:sldId id="256" r:id="rId2"/>
     <p:sldId id="258" r:id="rId3"/>
     <p:sldId id="257" r:id="rId4"/>
+    <p:sldId id="259" r:id="rId5"/>
   </p:sldIdLst>
   <p:sldSz cx="12192000" cy="6858000"/>
   <p:notesSz cx="6858000" cy="9144000"/>
@@ -260,7 +261,7 @@
           <a:lstStyle/>
           <a:p>
             <a:fld id="{D1DAA325-DE4D-914A-9FAA-B3B24EE0409A}" type="datetimeFigureOut">
-              <a:t>11/1/24</a:t>
+              <a:t>11/3/24</a:t>
             </a:fld>
             <a:endParaRPr lang="en-US"/>
           </a:p>
@@ -456,7 +457,7 @@
           <a:lstStyle/>
           <a:p>
             <a:fld id="{D1DAA325-DE4D-914A-9FAA-B3B24EE0409A}" type="datetimeFigureOut">
-              <a:t>11/1/24</a:t>
+              <a:t>11/3/24</a:t>
             </a:fld>
             <a:endParaRPr lang="en-US"/>
           </a:p>
@@ -662,7 +663,7 @@
           <a:lstStyle/>
           <a:p>
             <a:fld id="{D1DAA325-DE4D-914A-9FAA-B3B24EE0409A}" type="datetimeFigureOut">
-              <a:t>11/1/24</a:t>
+              <a:t>11/3/24</a:t>
             </a:fld>
             <a:endParaRPr lang="en-US"/>
           </a:p>
@@ -858,7 +859,7 @@
           <a:lstStyle/>
           <a:p>
             <a:fld id="{D1DAA325-DE4D-914A-9FAA-B3B24EE0409A}" type="datetimeFigureOut">
-              <a:t>11/1/24</a:t>
+              <a:t>11/3/24</a:t>
             </a:fld>
             <a:endParaRPr lang="en-US"/>
           </a:p>
@@ -1131,7 +1132,7 @@
           <a:lstStyle/>
           <a:p>
             <a:fld id="{D1DAA325-DE4D-914A-9FAA-B3B24EE0409A}" type="datetimeFigureOut">
-              <a:t>11/1/24</a:t>
+              <a:t>11/3/24</a:t>
             </a:fld>
             <a:endParaRPr lang="en-US"/>
           </a:p>
@@ -1394,7 +1395,7 @@
           <a:lstStyle/>
           <a:p>
             <a:fld id="{D1DAA325-DE4D-914A-9FAA-B3B24EE0409A}" type="datetimeFigureOut">
-              <a:t>11/1/24</a:t>
+              <a:t>11/3/24</a:t>
             </a:fld>
             <a:endParaRPr lang="en-US"/>
           </a:p>
@@ -1804,7 +1805,7 @@
           <a:lstStyle/>
           <a:p>
             <a:fld id="{D1DAA325-DE4D-914A-9FAA-B3B24EE0409A}" type="datetimeFigureOut">
-              <a:t>11/1/24</a:t>
+              <a:t>11/3/24</a:t>
             </a:fld>
             <a:endParaRPr lang="en-US"/>
           </a:p>
@@ -1943,7 +1944,7 @@
           <a:lstStyle/>
           <a:p>
             <a:fld id="{D1DAA325-DE4D-914A-9FAA-B3B24EE0409A}" type="datetimeFigureOut">
-              <a:t>11/1/24</a:t>
+              <a:t>11/3/24</a:t>
             </a:fld>
             <a:endParaRPr lang="en-US"/>
           </a:p>
@@ -2054,7 +2055,7 @@
           <a:lstStyle/>
           <a:p>
             <a:fld id="{D1DAA325-DE4D-914A-9FAA-B3B24EE0409A}" type="datetimeFigureOut">
-              <a:t>11/1/24</a:t>
+              <a:t>11/3/24</a:t>
             </a:fld>
             <a:endParaRPr lang="en-US"/>
           </a:p>
@@ -2363,7 +2364,7 @@
           <a:lstStyle/>
           <a:p>
             <a:fld id="{D1DAA325-DE4D-914A-9FAA-B3B24EE0409A}" type="datetimeFigureOut">
-              <a:t>11/1/24</a:t>
+              <a:t>11/3/24</a:t>
             </a:fld>
             <a:endParaRPr lang="en-US"/>
           </a:p>
@@ -2649,7 +2650,7 @@
           <a:lstStyle/>
           <a:p>
             <a:fld id="{D1DAA325-DE4D-914A-9FAA-B3B24EE0409A}" type="datetimeFigureOut">
-              <a:t>11/1/24</a:t>
+              <a:t>11/3/24</a:t>
             </a:fld>
             <a:endParaRPr lang="en-US"/>
           </a:p>
@@ -2888,7 +2889,7 @@
           </a:lstStyle>
           <a:p>
             <a:fld id="{D1DAA325-DE4D-914A-9FAA-B3B24EE0409A}" type="datetimeFigureOut">
-              <a:t>11/1/24</a:t>
+              <a:t>11/3/24</a:t>
             </a:fld>
             <a:endParaRPr lang="en-US"/>
           </a:p>
@@ -3368,6 +3369,36 @@
           </a:prstGeom>
         </p:spPr>
       </p:pic>
+      <p:pic>
+        <p:nvPicPr>
+          <p:cNvPr id="3" name="Picture 2">
+            <a:extLst>
+              <a:ext uri="{FF2B5EF4-FFF2-40B4-BE49-F238E27FC236}">
+                <a16:creationId xmlns:a16="http://schemas.microsoft.com/office/drawing/2014/main" id="{16F5B56F-E641-B0DF-52D5-98600CE3E524}"/>
+              </a:ext>
+            </a:extLst>
+          </p:cNvPr>
+          <p:cNvPicPr>
+            <a:picLocks noChangeAspect="1"/>
+          </p:cNvPicPr>
+          <p:nvPr/>
+        </p:nvPicPr>
+        <p:blipFill>
+          <a:blip r:embed="rId4"/>
+          <a:stretch>
+            <a:fillRect/>
+          </a:stretch>
+        </p:blipFill>
+        <p:spPr>
+          <a:xfrm>
+            <a:off x="7886384" y="0"/>
+            <a:ext cx="3160690" cy="6858000"/>
+          </a:xfrm>
+          <a:prstGeom prst="rect">
+            <a:avLst/>
+          </a:prstGeom>
+        </p:spPr>
+      </p:pic>
     </p:spTree>
     <p:extLst>
       <p:ext uri="{BB962C8B-B14F-4D97-AF65-F5344CB8AC3E}">
@@ -4051,6 +4082,66 @@
     <p:extLst>
       <p:ext uri="{BB962C8B-B14F-4D97-AF65-F5344CB8AC3E}">
         <p14:creationId xmlns:p14="http://schemas.microsoft.com/office/powerpoint/2010/main" val="920664423"/>
+      </p:ext>
+    </p:extLst>
+  </p:cSld>
+  <p:clrMapOvr>
+    <a:masterClrMapping/>
+  </p:clrMapOvr>
+</p:sld>
+</file>
+
+<file path=ppt/slides/slide4.xml><?xml version="1.0" encoding="utf-8"?>
+<p:sld xmlns:a="http://schemas.openxmlformats.org/drawingml/2006/main" xmlns:r="http://schemas.openxmlformats.org/officeDocument/2006/relationships" xmlns:p="http://schemas.openxmlformats.org/presentationml/2006/main">
+  <p:cSld>
+    <p:spTree>
+      <p:nvGrpSpPr>
+        <p:cNvPr id="1" name=""/>
+        <p:cNvGrpSpPr/>
+        <p:nvPr/>
+      </p:nvGrpSpPr>
+      <p:grpSpPr>
+        <a:xfrm>
+          <a:off x="0" y="0"/>
+          <a:ext cx="0" cy="0"/>
+          <a:chOff x="0" y="0"/>
+          <a:chExt cx="0" cy="0"/>
+        </a:xfrm>
+      </p:grpSpPr>
+      <p:pic>
+        <p:nvPicPr>
+          <p:cNvPr id="3" name="Picture 2">
+            <a:extLst>
+              <a:ext uri="{FF2B5EF4-FFF2-40B4-BE49-F238E27FC236}">
+                <a16:creationId xmlns:a16="http://schemas.microsoft.com/office/drawing/2014/main" id="{16F5B56F-E641-B0DF-52D5-98600CE3E524}"/>
+              </a:ext>
+            </a:extLst>
+          </p:cNvPr>
+          <p:cNvPicPr>
+            <a:picLocks noChangeAspect="1"/>
+          </p:cNvPicPr>
+          <p:nvPr/>
+        </p:nvPicPr>
+        <p:blipFill>
+          <a:blip r:embed="rId2"/>
+          <a:stretch>
+            <a:fillRect/>
+          </a:stretch>
+        </p:blipFill>
+        <p:spPr>
+          <a:xfrm>
+            <a:off x="7886384" y="0"/>
+            <a:ext cx="3160690" cy="6858000"/>
+          </a:xfrm>
+          <a:prstGeom prst="rect">
+            <a:avLst/>
+          </a:prstGeom>
+        </p:spPr>
+      </p:pic>
+    </p:spTree>
+    <p:extLst>
+      <p:ext uri="{BB962C8B-B14F-4D97-AF65-F5344CB8AC3E}">
+        <p14:creationId xmlns:p14="http://schemas.microsoft.com/office/powerpoint/2010/main" val="4034960808"/>
       </p:ext>
     </p:extLst>
   </p:cSld>
